--- a/models-comp-comm/slide_presentations/.hidden/models.pptx
+++ b/models-comp-comm/slide_presentations/.hidden/models.pptx
@@ -24322,30 +24322,32 @@
       </p:graphicFrame>
       <p:pic>
         <p:nvPicPr>
-          <p:cNvPr id="97" name="Google Shape;97;p19"/>
-          <p:cNvPicPr preferRelativeResize="0"/>
+          <p:cNvPr id="3" name="Picture 2" descr="A diagram of a diagram&#10;&#10;Description automatically generated">
+            <a:extLst>
+              <a:ext uri="{FF2B5EF4-FFF2-40B4-BE49-F238E27FC236}">
+                <a16:creationId xmlns:a16="http://schemas.microsoft.com/office/drawing/2014/main" id="{40277BBD-F5ED-1D40-AACA-98886E36615D}"/>
+              </a:ext>
+            </a:extLst>
+          </p:cNvPr>
+          <p:cNvPicPr>
+            <a:picLocks noChangeAspect="1"/>
+          </p:cNvPicPr>
           <p:nvPr/>
         </p:nvPicPr>
         <p:blipFill>
-          <a:blip r:embed="rId3">
-            <a:alphaModFix/>
-          </a:blip>
+          <a:blip r:embed="rId3"/>
           <a:stretch>
             <a:fillRect/>
           </a:stretch>
         </p:blipFill>
         <p:spPr>
           <a:xfrm>
-            <a:off x="5279650" y="227400"/>
-            <a:ext cx="2477200" cy="1580050"/>
+            <a:off x="5444365" y="137928"/>
+            <a:ext cx="2383211" cy="1784895"/>
           </a:xfrm>
           <a:prstGeom prst="rect">
             <a:avLst/>
           </a:prstGeom>
-          <a:noFill/>
-          <a:ln>
-            <a:noFill/>
-          </a:ln>
         </p:spPr>
       </p:pic>
     </p:spTree>
